--- a/Blood Cell Image Classifier using Deep learning Techniques.pptx
+++ b/Blood Cell Image Classifier using Deep learning Techniques.pptx
@@ -230,7 +230,7 @@
           <a:p>
             <a:fld id="{0D26D841-7B3C-47AF-987F-072B4B4DB2FC}" type="datetimeFigureOut">
               <a:rPr lang="en-US" smtClean="0"/>
-              <a:t>8/8/2024</a:t>
+              <a:t>9/16/2024</a:t>
             </a:fld>
             <a:endParaRPr lang="en-US" dirty="0"/>
           </a:p>
@@ -408,7 +408,7 @@
           <a:p>
             <a:fld id="{594E7DBF-46FE-4FD5-AC56-18193FB86556}" type="datetimeFigureOut">
               <a:rPr lang="en-US" noProof="0" smtClean="0"/>
-              <a:t>8/8/2024</a:t>
+              <a:t>9/16/2024</a:t>
             </a:fld>
             <a:endParaRPr lang="en-US" noProof="0" dirty="0"/>
           </a:p>
@@ -25601,7 +25601,7 @@
         <p:spPr>
           <a:xfrm>
             <a:off x="838200" y="92106"/>
-            <a:ext cx="10436258" cy="965477"/>
+            <a:ext cx="10436258" cy="631023"/>
           </a:xfrm>
         </p:spPr>
         <p:txBody>
@@ -25633,8 +25633,8 @@
         </p:nvSpPr>
         <p:spPr>
           <a:xfrm>
-            <a:off x="904972" y="998554"/>
-            <a:ext cx="10369485" cy="5093161"/>
+            <a:off x="904972" y="701094"/>
+            <a:ext cx="10369485" cy="5787233"/>
           </a:xfrm>
         </p:spPr>
         <p:txBody>
@@ -25651,7 +25651,7 @@
               <a:buChar char="•"/>
             </a:pPr>
             <a:r>
-              <a:rPr lang="en-US" sz="2200" dirty="0">
+              <a:rPr lang="en-US" sz="2400" dirty="0">
                 <a:latin typeface="Times New Roman" panose="02020603050405020304" pitchFamily="18" charset="0"/>
                 <a:cs typeface="Times New Roman" panose="02020603050405020304" pitchFamily="18" charset="0"/>
               </a:rPr>
@@ -25667,7 +25667,7 @@
               <a:buChar char="•"/>
             </a:pPr>
             <a:r>
-              <a:rPr lang="en-US" sz="2200" dirty="0">
+              <a:rPr lang="en-US" sz="2400" dirty="0">
                 <a:latin typeface="Times New Roman" panose="02020603050405020304" pitchFamily="18" charset="0"/>
                 <a:cs typeface="Times New Roman" panose="02020603050405020304" pitchFamily="18" charset="0"/>
               </a:rPr>
@@ -25683,11 +25683,11 @@
               <a:buChar char="•"/>
             </a:pPr>
             <a:r>
-              <a:rPr lang="en-US" sz="2200" dirty="0">
+              <a:rPr lang="en-US" sz="2400" dirty="0">
                 <a:latin typeface="Times New Roman" panose="02020603050405020304" pitchFamily="18" charset="0"/>
                 <a:cs typeface="Times New Roman" panose="02020603050405020304" pitchFamily="18" charset="0"/>
               </a:rPr>
-              <a:t>This success sets the stage for future work, where we will compare other models to find the best ones for classifying white blood cells. The results from these comparisons will be put into a conference paper, adding useful knowledge to the field of medical image analysis and possibly helping future research and medical practices.</a:t>
+              <a:t>In the future, additional models will be compared to determine the best one for classifying white blood cells. These findings will be submitted to a conference, contributing to advancements in medical image analysis and potentially improving clinical practices.</a:t>
             </a:r>
           </a:p>
         </p:txBody>
@@ -26935,7 +26935,7 @@
                 <a:latin typeface="Times New Roman" panose="02020603050405020304" pitchFamily="18" charset="0"/>
                 <a:cs typeface="Times New Roman" panose="02020603050405020304" pitchFamily="18" charset="0"/>
               </a:rPr>
-              <a:t>Human blood is composed of blood cells and plasma. Blood cells make up 45% of the blood's volume and the liquid part, makes up the remaining of 55%. There are three types of blood cells: red blood cells, white blood cells, and platelets. White blood cells, which are crucial for fighting infections, are produced in the lymphoid tissue and bone marrow. These white blood cells are categorized into two main types: granulocytes and agranulocytes. Granulocytes include neutrophils, basophils, and eosinophils, while agranulocytes consist of monocytes and lymphocytes. Each type of white blood cell has a unique role in protecting the body against infections and diseases.</a:t>
+              <a:t>Blood is made up of two main parts: blood cells and plasma. Blood cells make up 45% of the blood, and plasma (the liquid part) makes up the remaining 55%. There are three main types of blood cells: red blood cells, white blood cells, and platelets. White blood cells play an important role in fighting infections and are produced in the bone marrow and lymphoid tissue. These white blood cells are divided into two groups: granulocytes (neutrophils, basophils, eosinophils) and agranulocytes (monocytes, lymphocytes). Each type of white blood cell helps the body fight infections and diseases in its own way.</a:t>
             </a:r>
             <a:endParaRPr lang="en-US" sz="2400" b="0" i="0" dirty="0">
               <a:solidFill>
@@ -28051,8 +28051,8 @@
         </p:nvSpPr>
         <p:spPr bwMode="auto">
           <a:xfrm>
-            <a:off x="838201" y="1310633"/>
-            <a:ext cx="10512972" cy="2795958"/>
+            <a:off x="838201" y="1033634"/>
+            <a:ext cx="10512972" cy="3349956"/>
           </a:xfrm>
           <a:prstGeom prst="rect">
             <a:avLst/>
@@ -28238,9 +28238,9 @@
                 <a:latin typeface="Times New Roman" panose="02020603050405020304" pitchFamily="18" charset="0"/>
                 <a:cs typeface="Times New Roman" panose="02020603050405020304" pitchFamily="18" charset="0"/>
               </a:rPr>
-              <a:t>Current methods for identifying and classifying white blood cell subtypes are slow and error-prone, impacting medical diagnosis accuracy and efficiency. Recent deep learning advancements have improved classification of white blood cells in images. An improved deep learning approach is needed to accurately classify and localize the white blood cells, reducing errors and speeding up diagnostics.</a:t>
+              <a:t>Current methods for identifying and classifying different types of white blood cells are time-consuming and often lead to errors, which negatively affects the accuracy of medical diagnoses. Advances in deep learning have shown promise for improving the classification of white blood cells in images, but a more effective solution is needed to increase both the accuracy and speed of these methods for better diagnostics.</a:t>
             </a:r>
-            <a:endParaRPr kumimoji="0" lang="en-US" altLang="en-US" sz="3600" b="0" i="0" u="none" strike="noStrike" cap="none" normalizeH="0" baseline="0" dirty="0">
+            <a:endParaRPr kumimoji="0" lang="en-US" altLang="en-US" sz="4800" b="0" i="0" u="none" strike="noStrike" cap="none" normalizeH="0" baseline="0" dirty="0">
               <a:ln>
                 <a:noFill/>
               </a:ln>
@@ -28326,7 +28326,7 @@
         </p:nvSpPr>
         <p:spPr>
           <a:xfrm>
-            <a:off x="826902" y="939960"/>
+            <a:off x="826902" y="1083181"/>
             <a:ext cx="10538196" cy="5147813"/>
           </a:xfrm>
         </p:spPr>
@@ -28351,7 +28351,7 @@
                 <a:latin typeface="Times New Roman" panose="02020603050405020304" pitchFamily="18" charset="0"/>
                 <a:cs typeface="Times New Roman" panose="02020603050405020304" pitchFamily="18" charset="0"/>
               </a:rPr>
-              <a:t>The main goal of this project is to accurately identify different types of white blood cells in blood images. This can help with quicker and accurate diagnosis, reducing errors and saving time which can be done by comparing different methods. </a:t>
+              <a:t>The main goal of this project is to develop a deep learning approach that can accurately classify different types of white blood cells in blood images. </a:t>
             </a:r>
           </a:p>
           <a:p>
@@ -28370,47 +28370,9 @@
                 <a:latin typeface="Times New Roman" panose="02020603050405020304" pitchFamily="18" charset="0"/>
                 <a:cs typeface="Times New Roman" panose="02020603050405020304" pitchFamily="18" charset="0"/>
               </a:rPr>
-              <a:t>By using deep learning techniques, our aim to not only classify white blood cells precisely but also find their exact positions in blood samples. </a:t>
+              <a:t>By preparing and enhancing image data, and optimizing several deep learning models, this project aims to improve the accuracy and speed of classification, contributing to more efficient medical diagnosis.</a:t>
             </a:r>
-          </a:p>
-          <a:p>
-            <a:pPr algn="just">
-              <a:lnSpc>
-                <a:spcPct val="100000"/>
-              </a:lnSpc>
-              <a:spcAft>
-                <a:spcPts val="800"/>
-              </a:spcAft>
-              <a:buFont typeface="Wingdings" panose="05000000000000000000" pitchFamily="2" charset="2"/>
-              <a:buChar char="Ø"/>
-            </a:pPr>
-            <a:r>
-              <a:rPr lang="en-US" sz="2400" dirty="0">
-                <a:latin typeface="Times New Roman" panose="02020603050405020304" pitchFamily="18" charset="0"/>
-                <a:cs typeface="Times New Roman" panose="02020603050405020304" pitchFamily="18" charset="0"/>
-              </a:rPr>
-              <a:t>This will make the diagnosis process more consistent, allow for early disease detection, and provide reliable data for medical research. </a:t>
-            </a:r>
-          </a:p>
-          <a:p>
-            <a:pPr algn="just">
-              <a:lnSpc>
-                <a:spcPct val="100000"/>
-              </a:lnSpc>
-              <a:spcAft>
-                <a:spcPts val="800"/>
-              </a:spcAft>
-              <a:buFont typeface="Wingdings" panose="05000000000000000000" pitchFamily="2" charset="2"/>
-              <a:buChar char="Ø"/>
-            </a:pPr>
-            <a:r>
-              <a:rPr lang="en-US" sz="2400" dirty="0">
-                <a:latin typeface="Times New Roman" panose="02020603050405020304" pitchFamily="18" charset="0"/>
-                <a:cs typeface="Times New Roman" panose="02020603050405020304" pitchFamily="18" charset="0"/>
-              </a:rPr>
-              <a:t>Ultimately, we want to develop an easy-to-use and scalable tool that can be used in various healthcare settings, improving patient care and making diagnostic processes more efficient.</a:t>
-            </a:r>
-            <a:endParaRPr lang="en-US" sz="2400" b="0" i="0" dirty="0">
+            <a:endParaRPr lang="en-US" sz="3600" b="0" i="0" dirty="0">
               <a:solidFill>
                 <a:srgbClr val="0D0D0D"/>
               </a:solidFill>
@@ -29992,15 +29954,6 @@
 </file>
 
 <file path=customXml/item1.xml><?xml version="1.0" encoding="utf-8"?>
-<?mso-contentType ?>
-<FormTemplates xmlns="http://schemas.microsoft.com/sharepoint/v3/contenttype/forms">
-  <Display>DocumentLibraryForm</Display>
-  <Edit>DocumentLibraryForm</Edit>
-  <New>DocumentLibraryForm</New>
-</FormTemplates>
-</file>
-
-<file path=customXml/item2.xml><?xml version="1.0" encoding="utf-8"?>
 <p:properties xmlns:p="http://schemas.microsoft.com/office/2006/metadata/properties" xmlns:xsi="http://www.w3.org/2001/XMLSchema-instance" xmlns:pc="http://schemas.microsoft.com/office/infopath/2007/PartnerControls">
   <documentManagement>
     <_ip_UnifiedCompliancePolicyUIAction xmlns="http://schemas.microsoft.com/sharepoint/v3" xsi:nil="true"/>
@@ -30018,6 +29971,15 @@
     <MediaServiceKeyPoints xmlns="71af3243-3dd4-4a8d-8c0d-dd76da1f02a5" xsi:nil="true"/>
   </documentManagement>
 </p:properties>
+</file>
+
+<file path=customXml/item2.xml><?xml version="1.0" encoding="utf-8"?>
+<?mso-contentType ?>
+<FormTemplates xmlns="http://schemas.microsoft.com/sharepoint/v3/contenttype/forms">
+  <Display>DocumentLibraryForm</Display>
+  <Edit>DocumentLibraryForm</Edit>
+  <New>DocumentLibraryForm</New>
+</FormTemplates>
 </file>
 
 <file path=customXml/item3.xml><?xml version="1.0" encoding="utf-8"?>
@@ -30321,14 +30283,6 @@
 </file>
 
 <file path=customXml/itemProps1.xml><?xml version="1.0" encoding="utf-8"?>
-<ds:datastoreItem xmlns:ds="http://schemas.openxmlformats.org/officeDocument/2006/customXml" ds:itemID="{C4D21938-1F13-4699-8A6C-390EF71C7BE1}">
-  <ds:schemaRefs>
-    <ds:schemaRef ds:uri="http://schemas.microsoft.com/sharepoint/v3/contenttype/forms"/>
-  </ds:schemaRefs>
-</ds:datastoreItem>
-</file>
-
-<file path=customXml/itemProps2.xml><?xml version="1.0" encoding="utf-8"?>
 <ds:datastoreItem xmlns:ds="http://schemas.openxmlformats.org/officeDocument/2006/customXml" ds:itemID="{9945D35E-8227-46A9-BA56-FC43209CE408}">
   <ds:schemaRefs>
     <ds:schemaRef ds:uri="http://schemas.microsoft.com/office/2006/metadata/properties"/>
@@ -30336,6 +30290,14 @@
     <ds:schemaRef ds:uri="http://schemas.microsoft.com/sharepoint/v3"/>
     <ds:schemaRef ds:uri="71af3243-3dd4-4a8d-8c0d-dd76da1f02a5"/>
     <ds:schemaRef ds:uri="230e9df3-be65-4c73-a93b-d1236ebd677e"/>
+  </ds:schemaRefs>
+</ds:datastoreItem>
+</file>
+
+<file path=customXml/itemProps2.xml><?xml version="1.0" encoding="utf-8"?>
+<ds:datastoreItem xmlns:ds="http://schemas.openxmlformats.org/officeDocument/2006/customXml" ds:itemID="{C4D21938-1F13-4699-8A6C-390EF71C7BE1}">
+  <ds:schemaRefs>
+    <ds:schemaRef ds:uri="http://schemas.microsoft.com/sharepoint/v3/contenttype/forms"/>
   </ds:schemaRefs>
 </ds:datastoreItem>
 </file>
